--- a/ppt 16-9/0737.主曾向我显现.pptx
+++ b/ppt 16-9/0737.主曾向我显现.pptx
@@ -129,7 +129,7 @@
           <p:cNvPr id="2" name="标题 1">
             <a:extLst>
               <a:ext uri="{FF2B5EF4-FFF2-40B4-BE49-F238E27FC236}">
-                <a16:creationId xmlns:a16="http://schemas.microsoft.com/office/drawing/2014/main" id="{63F227DB-FDD7-FDA6-F818-0FFE6DB68B0F}"/>
+                <a16:creationId xmlns:a16="http://schemas.microsoft.com/office/drawing/2014/main" id="{F866269F-2B2D-7CA4-5F5A-678911EBC231}"/>
               </a:ext>
             </a:extLst>
           </p:cNvPr>
@@ -166,7 +166,7 @@
           <p:cNvPr id="3" name="副标题 2">
             <a:extLst>
               <a:ext uri="{FF2B5EF4-FFF2-40B4-BE49-F238E27FC236}">
-                <a16:creationId xmlns:a16="http://schemas.microsoft.com/office/drawing/2014/main" id="{B320BFB7-342F-8956-2A18-7FFDD18DF391}"/>
+                <a16:creationId xmlns:a16="http://schemas.microsoft.com/office/drawing/2014/main" id="{8E8E03FA-303E-CA6A-EF94-F6287A123855}"/>
               </a:ext>
             </a:extLst>
           </p:cNvPr>
@@ -236,7 +236,7 @@
           <p:cNvPr id="4" name="日期占位符 3">
             <a:extLst>
               <a:ext uri="{FF2B5EF4-FFF2-40B4-BE49-F238E27FC236}">
-                <a16:creationId xmlns:a16="http://schemas.microsoft.com/office/drawing/2014/main" id="{B1AD2105-9DE4-B19F-7A70-B9B649BE2719}"/>
+                <a16:creationId xmlns:a16="http://schemas.microsoft.com/office/drawing/2014/main" id="{C5936B34-1E5F-1FD2-F257-643461151420}"/>
               </a:ext>
             </a:extLst>
           </p:cNvPr>
@@ -252,7 +252,7 @@
           <a:bodyPr/>
           <a:lstStyle/>
           <a:p>
-            <a:fld id="{A13E07F1-0617-407F-823D-42EEB5D30B41}" type="datetimeFigureOut">
+            <a:fld id="{205BA442-7097-4495-B3E3-6386B0FC7870}" type="datetimeFigureOut">
               <a:rPr lang="zh-CN" altLang="en-US" smtClean="0"/>
               <a:t>2024/3/10</a:t>
             </a:fld>
@@ -265,7 +265,7 @@
           <p:cNvPr id="5" name="页脚占位符 4">
             <a:extLst>
               <a:ext uri="{FF2B5EF4-FFF2-40B4-BE49-F238E27FC236}">
-                <a16:creationId xmlns:a16="http://schemas.microsoft.com/office/drawing/2014/main" id="{DC981799-CC31-B1EA-7492-E36896BE7825}"/>
+                <a16:creationId xmlns:a16="http://schemas.microsoft.com/office/drawing/2014/main" id="{F20C74E9-87A7-D38C-5EDC-A80B956311D1}"/>
               </a:ext>
             </a:extLst>
           </p:cNvPr>
@@ -290,7 +290,7 @@
           <p:cNvPr id="6" name="灯片编号占位符 5">
             <a:extLst>
               <a:ext uri="{FF2B5EF4-FFF2-40B4-BE49-F238E27FC236}">
-                <a16:creationId xmlns:a16="http://schemas.microsoft.com/office/drawing/2014/main" id="{AE24072B-DB11-D984-3DCB-AC35E363F501}"/>
+                <a16:creationId xmlns:a16="http://schemas.microsoft.com/office/drawing/2014/main" id="{900903BE-3B52-77F2-8736-46DEE8C40483}"/>
               </a:ext>
             </a:extLst>
           </p:cNvPr>
@@ -306,7 +306,7 @@
           <a:bodyPr/>
           <a:lstStyle/>
           <a:p>
-            <a:fld id="{39B18EE4-1F8C-4C80-AB89-EE30BD5D262A}" type="slidenum">
+            <a:fld id="{F93B5FBB-43C5-4AC4-B880-40DAE728ABFA}" type="slidenum">
               <a:rPr lang="zh-CN" altLang="en-US" smtClean="0"/>
               <a:t>‹#›</a:t>
             </a:fld>
@@ -317,7 +317,7 @@
     </p:spTree>
     <p:extLst>
       <p:ext uri="{BB962C8B-B14F-4D97-AF65-F5344CB8AC3E}">
-        <p14:creationId xmlns:p14="http://schemas.microsoft.com/office/powerpoint/2010/main" val="3332134729"/>
+        <p14:creationId xmlns:p14="http://schemas.microsoft.com/office/powerpoint/2010/main" val="2858913719"/>
       </p:ext>
     </p:extLst>
   </p:cSld>
@@ -349,7 +349,7 @@
           <p:cNvPr id="2" name="标题 1">
             <a:extLst>
               <a:ext uri="{FF2B5EF4-FFF2-40B4-BE49-F238E27FC236}">
-                <a16:creationId xmlns:a16="http://schemas.microsoft.com/office/drawing/2014/main" id="{DA83B427-C571-8113-658E-84F255D9B179}"/>
+                <a16:creationId xmlns:a16="http://schemas.microsoft.com/office/drawing/2014/main" id="{A0048860-0430-9F6E-219D-603E21BFDA35}"/>
               </a:ext>
             </a:extLst>
           </p:cNvPr>
@@ -377,7 +377,7 @@
           <p:cNvPr id="3" name="竖排文字占位符 2">
             <a:extLst>
               <a:ext uri="{FF2B5EF4-FFF2-40B4-BE49-F238E27FC236}">
-                <a16:creationId xmlns:a16="http://schemas.microsoft.com/office/drawing/2014/main" id="{63CCB6BF-55C8-6E52-163F-AC78D2A8B413}"/>
+                <a16:creationId xmlns:a16="http://schemas.microsoft.com/office/drawing/2014/main" id="{DDAC6F8A-4717-117D-A874-AD73B0E4E24A}"/>
               </a:ext>
             </a:extLst>
           </p:cNvPr>
@@ -434,7 +434,7 @@
           <p:cNvPr id="4" name="日期占位符 3">
             <a:extLst>
               <a:ext uri="{FF2B5EF4-FFF2-40B4-BE49-F238E27FC236}">
-                <a16:creationId xmlns:a16="http://schemas.microsoft.com/office/drawing/2014/main" id="{E24B7B29-0DA1-4C05-4C68-DDC5A4B2817F}"/>
+                <a16:creationId xmlns:a16="http://schemas.microsoft.com/office/drawing/2014/main" id="{F601A0D5-439A-9B49-F765-227DE33576CC}"/>
               </a:ext>
             </a:extLst>
           </p:cNvPr>
@@ -450,7 +450,7 @@
           <a:bodyPr/>
           <a:lstStyle/>
           <a:p>
-            <a:fld id="{A13E07F1-0617-407F-823D-42EEB5D30B41}" type="datetimeFigureOut">
+            <a:fld id="{205BA442-7097-4495-B3E3-6386B0FC7870}" type="datetimeFigureOut">
               <a:rPr lang="zh-CN" altLang="en-US" smtClean="0"/>
               <a:t>2024/3/10</a:t>
             </a:fld>
@@ -463,7 +463,7 @@
           <p:cNvPr id="5" name="页脚占位符 4">
             <a:extLst>
               <a:ext uri="{FF2B5EF4-FFF2-40B4-BE49-F238E27FC236}">
-                <a16:creationId xmlns:a16="http://schemas.microsoft.com/office/drawing/2014/main" id="{8E23D3E0-641A-C98C-2FFF-DAF73C83D3B6}"/>
+                <a16:creationId xmlns:a16="http://schemas.microsoft.com/office/drawing/2014/main" id="{826E5124-6C39-2FEA-DE3D-D12136C8F7F1}"/>
               </a:ext>
             </a:extLst>
           </p:cNvPr>
@@ -488,7 +488,7 @@
           <p:cNvPr id="6" name="灯片编号占位符 5">
             <a:extLst>
               <a:ext uri="{FF2B5EF4-FFF2-40B4-BE49-F238E27FC236}">
-                <a16:creationId xmlns:a16="http://schemas.microsoft.com/office/drawing/2014/main" id="{861F5B6E-9D1A-94B2-32CE-CEA08B65E5FD}"/>
+                <a16:creationId xmlns:a16="http://schemas.microsoft.com/office/drawing/2014/main" id="{CBE174FE-B64C-045D-B14E-158BD8EDDE1D}"/>
               </a:ext>
             </a:extLst>
           </p:cNvPr>
@@ -504,7 +504,7 @@
           <a:bodyPr/>
           <a:lstStyle/>
           <a:p>
-            <a:fld id="{39B18EE4-1F8C-4C80-AB89-EE30BD5D262A}" type="slidenum">
+            <a:fld id="{F93B5FBB-43C5-4AC4-B880-40DAE728ABFA}" type="slidenum">
               <a:rPr lang="zh-CN" altLang="en-US" smtClean="0"/>
               <a:t>‹#›</a:t>
             </a:fld>
@@ -515,7 +515,7 @@
     </p:spTree>
     <p:extLst>
       <p:ext uri="{BB962C8B-B14F-4D97-AF65-F5344CB8AC3E}">
-        <p14:creationId xmlns:p14="http://schemas.microsoft.com/office/powerpoint/2010/main" val="3348619765"/>
+        <p14:creationId xmlns:p14="http://schemas.microsoft.com/office/powerpoint/2010/main" val="2420148315"/>
       </p:ext>
     </p:extLst>
   </p:cSld>
@@ -547,7 +547,7 @@
           <p:cNvPr id="2" name="竖排标题 1">
             <a:extLst>
               <a:ext uri="{FF2B5EF4-FFF2-40B4-BE49-F238E27FC236}">
-                <a16:creationId xmlns:a16="http://schemas.microsoft.com/office/drawing/2014/main" id="{AF646262-FE04-C35C-F7FA-C75176AF63CD}"/>
+                <a16:creationId xmlns:a16="http://schemas.microsoft.com/office/drawing/2014/main" id="{D33E7A03-C515-C050-1762-DB05C31CAB49}"/>
               </a:ext>
             </a:extLst>
           </p:cNvPr>
@@ -580,7 +580,7 @@
           <p:cNvPr id="3" name="竖排文字占位符 2">
             <a:extLst>
               <a:ext uri="{FF2B5EF4-FFF2-40B4-BE49-F238E27FC236}">
-                <a16:creationId xmlns:a16="http://schemas.microsoft.com/office/drawing/2014/main" id="{400FFFBB-2ED2-2CB9-4931-CF260D529D50}"/>
+                <a16:creationId xmlns:a16="http://schemas.microsoft.com/office/drawing/2014/main" id="{14C1A954-2C41-8AE8-9C73-CB90F8C21ED3}"/>
               </a:ext>
             </a:extLst>
           </p:cNvPr>
@@ -642,7 +642,7 @@
           <p:cNvPr id="4" name="日期占位符 3">
             <a:extLst>
               <a:ext uri="{FF2B5EF4-FFF2-40B4-BE49-F238E27FC236}">
-                <a16:creationId xmlns:a16="http://schemas.microsoft.com/office/drawing/2014/main" id="{09722E0C-837B-A08A-860E-BF1610C32E5D}"/>
+                <a16:creationId xmlns:a16="http://schemas.microsoft.com/office/drawing/2014/main" id="{8E492E76-8E3D-1D1F-6866-7D61A6EAAF12}"/>
               </a:ext>
             </a:extLst>
           </p:cNvPr>
@@ -658,7 +658,7 @@
           <a:bodyPr/>
           <a:lstStyle/>
           <a:p>
-            <a:fld id="{A13E07F1-0617-407F-823D-42EEB5D30B41}" type="datetimeFigureOut">
+            <a:fld id="{205BA442-7097-4495-B3E3-6386B0FC7870}" type="datetimeFigureOut">
               <a:rPr lang="zh-CN" altLang="en-US" smtClean="0"/>
               <a:t>2024/3/10</a:t>
             </a:fld>
@@ -671,7 +671,7 @@
           <p:cNvPr id="5" name="页脚占位符 4">
             <a:extLst>
               <a:ext uri="{FF2B5EF4-FFF2-40B4-BE49-F238E27FC236}">
-                <a16:creationId xmlns:a16="http://schemas.microsoft.com/office/drawing/2014/main" id="{A085C967-D574-DA37-CB44-CFD3C24E8F24}"/>
+                <a16:creationId xmlns:a16="http://schemas.microsoft.com/office/drawing/2014/main" id="{B18F2465-DF0F-C1F5-1EE4-C46B33299875}"/>
               </a:ext>
             </a:extLst>
           </p:cNvPr>
@@ -696,7 +696,7 @@
           <p:cNvPr id="6" name="灯片编号占位符 5">
             <a:extLst>
               <a:ext uri="{FF2B5EF4-FFF2-40B4-BE49-F238E27FC236}">
-                <a16:creationId xmlns:a16="http://schemas.microsoft.com/office/drawing/2014/main" id="{ADEB8A7D-83AE-5B5A-2F02-C94A67B28D9C}"/>
+                <a16:creationId xmlns:a16="http://schemas.microsoft.com/office/drawing/2014/main" id="{F97A15C9-2A3F-1E91-114D-6883D7C304B6}"/>
               </a:ext>
             </a:extLst>
           </p:cNvPr>
@@ -712,7 +712,7 @@
           <a:bodyPr/>
           <a:lstStyle/>
           <a:p>
-            <a:fld id="{39B18EE4-1F8C-4C80-AB89-EE30BD5D262A}" type="slidenum">
+            <a:fld id="{F93B5FBB-43C5-4AC4-B880-40DAE728ABFA}" type="slidenum">
               <a:rPr lang="zh-CN" altLang="en-US" smtClean="0"/>
               <a:t>‹#›</a:t>
             </a:fld>
@@ -723,7 +723,7 @@
     </p:spTree>
     <p:extLst>
       <p:ext uri="{BB962C8B-B14F-4D97-AF65-F5344CB8AC3E}">
-        <p14:creationId xmlns:p14="http://schemas.microsoft.com/office/powerpoint/2010/main" val="3110556036"/>
+        <p14:creationId xmlns:p14="http://schemas.microsoft.com/office/powerpoint/2010/main" val="3860714325"/>
       </p:ext>
     </p:extLst>
   </p:cSld>
@@ -755,7 +755,7 @@
           <p:cNvPr id="2" name="标题 1">
             <a:extLst>
               <a:ext uri="{FF2B5EF4-FFF2-40B4-BE49-F238E27FC236}">
-                <a16:creationId xmlns:a16="http://schemas.microsoft.com/office/drawing/2014/main" id="{905778CC-538C-46C7-3A3F-7F00B2A5F7FA}"/>
+                <a16:creationId xmlns:a16="http://schemas.microsoft.com/office/drawing/2014/main" id="{71725582-2F9C-4BAE-D529-63B2DD2BD846}"/>
               </a:ext>
             </a:extLst>
           </p:cNvPr>
@@ -783,7 +783,7 @@
           <p:cNvPr id="3" name="内容占位符 2">
             <a:extLst>
               <a:ext uri="{FF2B5EF4-FFF2-40B4-BE49-F238E27FC236}">
-                <a16:creationId xmlns:a16="http://schemas.microsoft.com/office/drawing/2014/main" id="{6EC2238A-77EF-254C-8C68-1CF8A84B5F6C}"/>
+                <a16:creationId xmlns:a16="http://schemas.microsoft.com/office/drawing/2014/main" id="{CF5C89F9-AAD5-E4AA-5E69-9ADECAA4CE2C}"/>
               </a:ext>
             </a:extLst>
           </p:cNvPr>
@@ -840,7 +840,7 @@
           <p:cNvPr id="4" name="日期占位符 3">
             <a:extLst>
               <a:ext uri="{FF2B5EF4-FFF2-40B4-BE49-F238E27FC236}">
-                <a16:creationId xmlns:a16="http://schemas.microsoft.com/office/drawing/2014/main" id="{5809D7E1-EAA8-F64A-1068-B57B9543D526}"/>
+                <a16:creationId xmlns:a16="http://schemas.microsoft.com/office/drawing/2014/main" id="{BEC6E05B-5771-BF5A-4742-3891ABA9EC7F}"/>
               </a:ext>
             </a:extLst>
           </p:cNvPr>
@@ -856,7 +856,7 @@
           <a:bodyPr/>
           <a:lstStyle/>
           <a:p>
-            <a:fld id="{A13E07F1-0617-407F-823D-42EEB5D30B41}" type="datetimeFigureOut">
+            <a:fld id="{205BA442-7097-4495-B3E3-6386B0FC7870}" type="datetimeFigureOut">
               <a:rPr lang="zh-CN" altLang="en-US" smtClean="0"/>
               <a:t>2024/3/10</a:t>
             </a:fld>
@@ -869,7 +869,7 @@
           <p:cNvPr id="5" name="页脚占位符 4">
             <a:extLst>
               <a:ext uri="{FF2B5EF4-FFF2-40B4-BE49-F238E27FC236}">
-                <a16:creationId xmlns:a16="http://schemas.microsoft.com/office/drawing/2014/main" id="{A5DD0241-AC18-EAF4-0E70-9900771E7AC0}"/>
+                <a16:creationId xmlns:a16="http://schemas.microsoft.com/office/drawing/2014/main" id="{6D2D1849-EC63-1229-4574-232DB1C07399}"/>
               </a:ext>
             </a:extLst>
           </p:cNvPr>
@@ -894,7 +894,7 @@
           <p:cNvPr id="6" name="灯片编号占位符 5">
             <a:extLst>
               <a:ext uri="{FF2B5EF4-FFF2-40B4-BE49-F238E27FC236}">
-                <a16:creationId xmlns:a16="http://schemas.microsoft.com/office/drawing/2014/main" id="{B2ECF50E-E4C8-E5A7-47C5-910247016661}"/>
+                <a16:creationId xmlns:a16="http://schemas.microsoft.com/office/drawing/2014/main" id="{5DF879E6-378D-0600-5F15-B260920FA4FB}"/>
               </a:ext>
             </a:extLst>
           </p:cNvPr>
@@ -910,7 +910,7 @@
           <a:bodyPr/>
           <a:lstStyle/>
           <a:p>
-            <a:fld id="{39B18EE4-1F8C-4C80-AB89-EE30BD5D262A}" type="slidenum">
+            <a:fld id="{F93B5FBB-43C5-4AC4-B880-40DAE728ABFA}" type="slidenum">
               <a:rPr lang="zh-CN" altLang="en-US" smtClean="0"/>
               <a:t>‹#›</a:t>
             </a:fld>
@@ -921,7 +921,7 @@
     </p:spTree>
     <p:extLst>
       <p:ext uri="{BB962C8B-B14F-4D97-AF65-F5344CB8AC3E}">
-        <p14:creationId xmlns:p14="http://schemas.microsoft.com/office/powerpoint/2010/main" val="1000856645"/>
+        <p14:creationId xmlns:p14="http://schemas.microsoft.com/office/powerpoint/2010/main" val="517454197"/>
       </p:ext>
     </p:extLst>
   </p:cSld>
@@ -953,7 +953,7 @@
           <p:cNvPr id="2" name="标题 1">
             <a:extLst>
               <a:ext uri="{FF2B5EF4-FFF2-40B4-BE49-F238E27FC236}">
-                <a16:creationId xmlns:a16="http://schemas.microsoft.com/office/drawing/2014/main" id="{45F54E98-63AE-DEDC-51AD-AF771C8905BD}"/>
+                <a16:creationId xmlns:a16="http://schemas.microsoft.com/office/drawing/2014/main" id="{869AABA5-2DA1-4F5C-561D-D7E5C3B1A9DB}"/>
               </a:ext>
             </a:extLst>
           </p:cNvPr>
@@ -990,7 +990,7 @@
           <p:cNvPr id="3" name="文本占位符 2">
             <a:extLst>
               <a:ext uri="{FF2B5EF4-FFF2-40B4-BE49-F238E27FC236}">
-                <a16:creationId xmlns:a16="http://schemas.microsoft.com/office/drawing/2014/main" id="{7CE7847B-96C1-D74D-F5C5-D459CE544990}"/>
+                <a16:creationId xmlns:a16="http://schemas.microsoft.com/office/drawing/2014/main" id="{7B72D9C8-E792-199B-E56A-C2A81A1539BB}"/>
               </a:ext>
             </a:extLst>
           </p:cNvPr>
@@ -1115,7 +1115,7 @@
           <p:cNvPr id="4" name="日期占位符 3">
             <a:extLst>
               <a:ext uri="{FF2B5EF4-FFF2-40B4-BE49-F238E27FC236}">
-                <a16:creationId xmlns:a16="http://schemas.microsoft.com/office/drawing/2014/main" id="{3478601E-5BE6-5B98-52D3-02E9A70321FE}"/>
+                <a16:creationId xmlns:a16="http://schemas.microsoft.com/office/drawing/2014/main" id="{867AD46B-2276-B50A-6B2B-7B219A2A3DB9}"/>
               </a:ext>
             </a:extLst>
           </p:cNvPr>
@@ -1131,7 +1131,7 @@
           <a:bodyPr/>
           <a:lstStyle/>
           <a:p>
-            <a:fld id="{A13E07F1-0617-407F-823D-42EEB5D30B41}" type="datetimeFigureOut">
+            <a:fld id="{205BA442-7097-4495-B3E3-6386B0FC7870}" type="datetimeFigureOut">
               <a:rPr lang="zh-CN" altLang="en-US" smtClean="0"/>
               <a:t>2024/3/10</a:t>
             </a:fld>
@@ -1144,7 +1144,7 @@
           <p:cNvPr id="5" name="页脚占位符 4">
             <a:extLst>
               <a:ext uri="{FF2B5EF4-FFF2-40B4-BE49-F238E27FC236}">
-                <a16:creationId xmlns:a16="http://schemas.microsoft.com/office/drawing/2014/main" id="{4622EF6E-5F46-C4CE-73A9-14C4F71DE939}"/>
+                <a16:creationId xmlns:a16="http://schemas.microsoft.com/office/drawing/2014/main" id="{6E4E1B2A-19F7-67D9-4138-5EF456A05203}"/>
               </a:ext>
             </a:extLst>
           </p:cNvPr>
@@ -1169,7 +1169,7 @@
           <p:cNvPr id="6" name="灯片编号占位符 5">
             <a:extLst>
               <a:ext uri="{FF2B5EF4-FFF2-40B4-BE49-F238E27FC236}">
-                <a16:creationId xmlns:a16="http://schemas.microsoft.com/office/drawing/2014/main" id="{48329DEB-57AC-AAF1-8C54-0DE1CFC3A7E9}"/>
+                <a16:creationId xmlns:a16="http://schemas.microsoft.com/office/drawing/2014/main" id="{52129A99-0B1C-3793-D373-8319B3E7EED1}"/>
               </a:ext>
             </a:extLst>
           </p:cNvPr>
@@ -1185,7 +1185,7 @@
           <a:bodyPr/>
           <a:lstStyle/>
           <a:p>
-            <a:fld id="{39B18EE4-1F8C-4C80-AB89-EE30BD5D262A}" type="slidenum">
+            <a:fld id="{F93B5FBB-43C5-4AC4-B880-40DAE728ABFA}" type="slidenum">
               <a:rPr lang="zh-CN" altLang="en-US" smtClean="0"/>
               <a:t>‹#›</a:t>
             </a:fld>
@@ -1196,7 +1196,7 @@
     </p:spTree>
     <p:extLst>
       <p:ext uri="{BB962C8B-B14F-4D97-AF65-F5344CB8AC3E}">
-        <p14:creationId xmlns:p14="http://schemas.microsoft.com/office/powerpoint/2010/main" val="407250778"/>
+        <p14:creationId xmlns:p14="http://schemas.microsoft.com/office/powerpoint/2010/main" val="1588910461"/>
       </p:ext>
     </p:extLst>
   </p:cSld>
@@ -1228,7 +1228,7 @@
           <p:cNvPr id="2" name="标题 1">
             <a:extLst>
               <a:ext uri="{FF2B5EF4-FFF2-40B4-BE49-F238E27FC236}">
-                <a16:creationId xmlns:a16="http://schemas.microsoft.com/office/drawing/2014/main" id="{6B9A35F2-6990-460B-DDC1-375401CC1E0B}"/>
+                <a16:creationId xmlns:a16="http://schemas.microsoft.com/office/drawing/2014/main" id="{5E8C18AE-7459-9AB1-0262-CDA29875BE4B}"/>
               </a:ext>
             </a:extLst>
           </p:cNvPr>
@@ -1256,7 +1256,7 @@
           <p:cNvPr id="3" name="内容占位符 2">
             <a:extLst>
               <a:ext uri="{FF2B5EF4-FFF2-40B4-BE49-F238E27FC236}">
-                <a16:creationId xmlns:a16="http://schemas.microsoft.com/office/drawing/2014/main" id="{3A2C1D19-F77E-B6D6-87DC-0D82FCCA9E33}"/>
+                <a16:creationId xmlns:a16="http://schemas.microsoft.com/office/drawing/2014/main" id="{9CB8E1C1-1E9D-6EF8-8AD7-0E5E0BB3E5B0}"/>
               </a:ext>
             </a:extLst>
           </p:cNvPr>
@@ -1318,7 +1318,7 @@
           <p:cNvPr id="4" name="内容占位符 3">
             <a:extLst>
               <a:ext uri="{FF2B5EF4-FFF2-40B4-BE49-F238E27FC236}">
-                <a16:creationId xmlns:a16="http://schemas.microsoft.com/office/drawing/2014/main" id="{DA32E430-43F0-876F-9AD1-26A4908C17E0}"/>
+                <a16:creationId xmlns:a16="http://schemas.microsoft.com/office/drawing/2014/main" id="{426D71C6-9622-A8C4-6E02-9B6489EB5EF9}"/>
               </a:ext>
             </a:extLst>
           </p:cNvPr>
@@ -1380,7 +1380,7 @@
           <p:cNvPr id="5" name="日期占位符 4">
             <a:extLst>
               <a:ext uri="{FF2B5EF4-FFF2-40B4-BE49-F238E27FC236}">
-                <a16:creationId xmlns:a16="http://schemas.microsoft.com/office/drawing/2014/main" id="{65D7F869-1209-2EF3-6927-26C1EE06F95C}"/>
+                <a16:creationId xmlns:a16="http://schemas.microsoft.com/office/drawing/2014/main" id="{2235DF7F-5400-B747-7DD3-9B52E8B039EE}"/>
               </a:ext>
             </a:extLst>
           </p:cNvPr>
@@ -1396,7 +1396,7 @@
           <a:bodyPr/>
           <a:lstStyle/>
           <a:p>
-            <a:fld id="{A13E07F1-0617-407F-823D-42EEB5D30B41}" type="datetimeFigureOut">
+            <a:fld id="{205BA442-7097-4495-B3E3-6386B0FC7870}" type="datetimeFigureOut">
               <a:rPr lang="zh-CN" altLang="en-US" smtClean="0"/>
               <a:t>2024/3/10</a:t>
             </a:fld>
@@ -1409,7 +1409,7 @@
           <p:cNvPr id="6" name="页脚占位符 5">
             <a:extLst>
               <a:ext uri="{FF2B5EF4-FFF2-40B4-BE49-F238E27FC236}">
-                <a16:creationId xmlns:a16="http://schemas.microsoft.com/office/drawing/2014/main" id="{A21D2E24-39F1-B7C1-6E2E-B319733B4A53}"/>
+                <a16:creationId xmlns:a16="http://schemas.microsoft.com/office/drawing/2014/main" id="{AF589F69-D4E0-8BA9-7D50-6188C60FEF5A}"/>
               </a:ext>
             </a:extLst>
           </p:cNvPr>
@@ -1434,7 +1434,7 @@
           <p:cNvPr id="7" name="灯片编号占位符 6">
             <a:extLst>
               <a:ext uri="{FF2B5EF4-FFF2-40B4-BE49-F238E27FC236}">
-                <a16:creationId xmlns:a16="http://schemas.microsoft.com/office/drawing/2014/main" id="{2940C8B9-4EFD-30CB-2392-D419BABBFA6C}"/>
+                <a16:creationId xmlns:a16="http://schemas.microsoft.com/office/drawing/2014/main" id="{AA4E0283-8062-68F5-6F13-5B1C9C9E689D}"/>
               </a:ext>
             </a:extLst>
           </p:cNvPr>
@@ -1450,7 +1450,7 @@
           <a:bodyPr/>
           <a:lstStyle/>
           <a:p>
-            <a:fld id="{39B18EE4-1F8C-4C80-AB89-EE30BD5D262A}" type="slidenum">
+            <a:fld id="{F93B5FBB-43C5-4AC4-B880-40DAE728ABFA}" type="slidenum">
               <a:rPr lang="zh-CN" altLang="en-US" smtClean="0"/>
               <a:t>‹#›</a:t>
             </a:fld>
@@ -1461,7 +1461,7 @@
     </p:spTree>
     <p:extLst>
       <p:ext uri="{BB962C8B-B14F-4D97-AF65-F5344CB8AC3E}">
-        <p14:creationId xmlns:p14="http://schemas.microsoft.com/office/powerpoint/2010/main" val="3407739108"/>
+        <p14:creationId xmlns:p14="http://schemas.microsoft.com/office/powerpoint/2010/main" val="1699133992"/>
       </p:ext>
     </p:extLst>
   </p:cSld>
@@ -1493,7 +1493,7 @@
           <p:cNvPr id="2" name="标题 1">
             <a:extLst>
               <a:ext uri="{FF2B5EF4-FFF2-40B4-BE49-F238E27FC236}">
-                <a16:creationId xmlns:a16="http://schemas.microsoft.com/office/drawing/2014/main" id="{4977055C-3017-3545-4046-16500B99E850}"/>
+                <a16:creationId xmlns:a16="http://schemas.microsoft.com/office/drawing/2014/main" id="{F8BD8E18-DB1E-F94D-DAFF-B59DAB8F4207}"/>
               </a:ext>
             </a:extLst>
           </p:cNvPr>
@@ -1526,7 +1526,7 @@
           <p:cNvPr id="3" name="文本占位符 2">
             <a:extLst>
               <a:ext uri="{FF2B5EF4-FFF2-40B4-BE49-F238E27FC236}">
-                <a16:creationId xmlns:a16="http://schemas.microsoft.com/office/drawing/2014/main" id="{401D3D68-42BA-A5F2-60F2-5F491E4A56DC}"/>
+                <a16:creationId xmlns:a16="http://schemas.microsoft.com/office/drawing/2014/main" id="{28483A0D-1C91-E1FE-504B-A6234558EF1E}"/>
               </a:ext>
             </a:extLst>
           </p:cNvPr>
@@ -1597,7 +1597,7 @@
           <p:cNvPr id="4" name="内容占位符 3">
             <a:extLst>
               <a:ext uri="{FF2B5EF4-FFF2-40B4-BE49-F238E27FC236}">
-                <a16:creationId xmlns:a16="http://schemas.microsoft.com/office/drawing/2014/main" id="{6C82CC21-DFEB-BFFC-579E-3AB10DFB4748}"/>
+                <a16:creationId xmlns:a16="http://schemas.microsoft.com/office/drawing/2014/main" id="{791EB587-DA7D-8261-F085-ADFB91BAE537}"/>
               </a:ext>
             </a:extLst>
           </p:cNvPr>
@@ -1659,7 +1659,7 @@
           <p:cNvPr id="5" name="文本占位符 4">
             <a:extLst>
               <a:ext uri="{FF2B5EF4-FFF2-40B4-BE49-F238E27FC236}">
-                <a16:creationId xmlns:a16="http://schemas.microsoft.com/office/drawing/2014/main" id="{4E913C75-A51C-166D-4BE0-683207C0F3B7}"/>
+                <a16:creationId xmlns:a16="http://schemas.microsoft.com/office/drawing/2014/main" id="{1D96FC56-2557-2D45-28D0-064779369AA7}"/>
               </a:ext>
             </a:extLst>
           </p:cNvPr>
@@ -1730,7 +1730,7 @@
           <p:cNvPr id="6" name="内容占位符 5">
             <a:extLst>
               <a:ext uri="{FF2B5EF4-FFF2-40B4-BE49-F238E27FC236}">
-                <a16:creationId xmlns:a16="http://schemas.microsoft.com/office/drawing/2014/main" id="{C6CD8172-7C1E-15F1-D906-AD8FF83FBC8A}"/>
+                <a16:creationId xmlns:a16="http://schemas.microsoft.com/office/drawing/2014/main" id="{3F1541CF-4307-6604-7762-EA4C86677783}"/>
               </a:ext>
             </a:extLst>
           </p:cNvPr>
@@ -1792,7 +1792,7 @@
           <p:cNvPr id="7" name="日期占位符 6">
             <a:extLst>
               <a:ext uri="{FF2B5EF4-FFF2-40B4-BE49-F238E27FC236}">
-                <a16:creationId xmlns:a16="http://schemas.microsoft.com/office/drawing/2014/main" id="{C9FF4FBA-2E97-9C58-FC1A-1BE95A788D3C}"/>
+                <a16:creationId xmlns:a16="http://schemas.microsoft.com/office/drawing/2014/main" id="{6F2C9889-CA28-54C8-3B3D-B78280DB2474}"/>
               </a:ext>
             </a:extLst>
           </p:cNvPr>
@@ -1808,7 +1808,7 @@
           <a:bodyPr/>
           <a:lstStyle/>
           <a:p>
-            <a:fld id="{A13E07F1-0617-407F-823D-42EEB5D30B41}" type="datetimeFigureOut">
+            <a:fld id="{205BA442-7097-4495-B3E3-6386B0FC7870}" type="datetimeFigureOut">
               <a:rPr lang="zh-CN" altLang="en-US" smtClean="0"/>
               <a:t>2024/3/10</a:t>
             </a:fld>
@@ -1821,7 +1821,7 @@
           <p:cNvPr id="8" name="页脚占位符 7">
             <a:extLst>
               <a:ext uri="{FF2B5EF4-FFF2-40B4-BE49-F238E27FC236}">
-                <a16:creationId xmlns:a16="http://schemas.microsoft.com/office/drawing/2014/main" id="{2C35371E-3812-D520-EAB5-E6E6F17277FA}"/>
+                <a16:creationId xmlns:a16="http://schemas.microsoft.com/office/drawing/2014/main" id="{365D3A27-EBD8-CE31-5016-B8D6C090CBEC}"/>
               </a:ext>
             </a:extLst>
           </p:cNvPr>
@@ -1846,7 +1846,7 @@
           <p:cNvPr id="9" name="灯片编号占位符 8">
             <a:extLst>
               <a:ext uri="{FF2B5EF4-FFF2-40B4-BE49-F238E27FC236}">
-                <a16:creationId xmlns:a16="http://schemas.microsoft.com/office/drawing/2014/main" id="{380EF212-E965-1E32-DB34-6A197B82554E}"/>
+                <a16:creationId xmlns:a16="http://schemas.microsoft.com/office/drawing/2014/main" id="{18D53427-45F9-4E4C-6A46-922475F82F6E}"/>
               </a:ext>
             </a:extLst>
           </p:cNvPr>
@@ -1862,7 +1862,7 @@
           <a:bodyPr/>
           <a:lstStyle/>
           <a:p>
-            <a:fld id="{39B18EE4-1F8C-4C80-AB89-EE30BD5D262A}" type="slidenum">
+            <a:fld id="{F93B5FBB-43C5-4AC4-B880-40DAE728ABFA}" type="slidenum">
               <a:rPr lang="zh-CN" altLang="en-US" smtClean="0"/>
               <a:t>‹#›</a:t>
             </a:fld>
@@ -1873,7 +1873,7 @@
     </p:spTree>
     <p:extLst>
       <p:ext uri="{BB962C8B-B14F-4D97-AF65-F5344CB8AC3E}">
-        <p14:creationId xmlns:p14="http://schemas.microsoft.com/office/powerpoint/2010/main" val="1764673649"/>
+        <p14:creationId xmlns:p14="http://schemas.microsoft.com/office/powerpoint/2010/main" val="2409529953"/>
       </p:ext>
     </p:extLst>
   </p:cSld>
@@ -1905,7 +1905,7 @@
           <p:cNvPr id="2" name="标题 1">
             <a:extLst>
               <a:ext uri="{FF2B5EF4-FFF2-40B4-BE49-F238E27FC236}">
-                <a16:creationId xmlns:a16="http://schemas.microsoft.com/office/drawing/2014/main" id="{FA101491-E4AF-D783-573B-C80FDAE9562C}"/>
+                <a16:creationId xmlns:a16="http://schemas.microsoft.com/office/drawing/2014/main" id="{A3E35C0D-05E2-7A9C-E68D-D92A4D348888}"/>
               </a:ext>
             </a:extLst>
           </p:cNvPr>
@@ -1933,7 +1933,7 @@
           <p:cNvPr id="3" name="日期占位符 2">
             <a:extLst>
               <a:ext uri="{FF2B5EF4-FFF2-40B4-BE49-F238E27FC236}">
-                <a16:creationId xmlns:a16="http://schemas.microsoft.com/office/drawing/2014/main" id="{BCD48EE2-8EA0-2852-8865-06B08BB94561}"/>
+                <a16:creationId xmlns:a16="http://schemas.microsoft.com/office/drawing/2014/main" id="{CB8D4E51-2A05-8AB6-9B7D-9207E10879F7}"/>
               </a:ext>
             </a:extLst>
           </p:cNvPr>
@@ -1949,7 +1949,7 @@
           <a:bodyPr/>
           <a:lstStyle/>
           <a:p>
-            <a:fld id="{A13E07F1-0617-407F-823D-42EEB5D30B41}" type="datetimeFigureOut">
+            <a:fld id="{205BA442-7097-4495-B3E3-6386B0FC7870}" type="datetimeFigureOut">
               <a:rPr lang="zh-CN" altLang="en-US" smtClean="0"/>
               <a:t>2024/3/10</a:t>
             </a:fld>
@@ -1962,7 +1962,7 @@
           <p:cNvPr id="4" name="页脚占位符 3">
             <a:extLst>
               <a:ext uri="{FF2B5EF4-FFF2-40B4-BE49-F238E27FC236}">
-                <a16:creationId xmlns:a16="http://schemas.microsoft.com/office/drawing/2014/main" id="{77019784-69F5-1E0D-33BC-04D1204A8F9C}"/>
+                <a16:creationId xmlns:a16="http://schemas.microsoft.com/office/drawing/2014/main" id="{87E0B52C-8B44-10CF-9F24-AED79C83600A}"/>
               </a:ext>
             </a:extLst>
           </p:cNvPr>
@@ -1987,7 +1987,7 @@
           <p:cNvPr id="5" name="灯片编号占位符 4">
             <a:extLst>
               <a:ext uri="{FF2B5EF4-FFF2-40B4-BE49-F238E27FC236}">
-                <a16:creationId xmlns:a16="http://schemas.microsoft.com/office/drawing/2014/main" id="{77F4626D-403D-256B-622C-86B325A3E61C}"/>
+                <a16:creationId xmlns:a16="http://schemas.microsoft.com/office/drawing/2014/main" id="{8C96B206-14DE-075D-2E06-84A6CB605726}"/>
               </a:ext>
             </a:extLst>
           </p:cNvPr>
@@ -2003,7 +2003,7 @@
           <a:bodyPr/>
           <a:lstStyle/>
           <a:p>
-            <a:fld id="{39B18EE4-1F8C-4C80-AB89-EE30BD5D262A}" type="slidenum">
+            <a:fld id="{F93B5FBB-43C5-4AC4-B880-40DAE728ABFA}" type="slidenum">
               <a:rPr lang="zh-CN" altLang="en-US" smtClean="0"/>
               <a:t>‹#›</a:t>
             </a:fld>
@@ -2014,7 +2014,7 @@
     </p:spTree>
     <p:extLst>
       <p:ext uri="{BB962C8B-B14F-4D97-AF65-F5344CB8AC3E}">
-        <p14:creationId xmlns:p14="http://schemas.microsoft.com/office/powerpoint/2010/main" val="252017193"/>
+        <p14:creationId xmlns:p14="http://schemas.microsoft.com/office/powerpoint/2010/main" val="1971373625"/>
       </p:ext>
     </p:extLst>
   </p:cSld>
@@ -2046,7 +2046,7 @@
           <p:cNvPr id="2" name="日期占位符 1">
             <a:extLst>
               <a:ext uri="{FF2B5EF4-FFF2-40B4-BE49-F238E27FC236}">
-                <a16:creationId xmlns:a16="http://schemas.microsoft.com/office/drawing/2014/main" id="{65B9D280-69D6-2F7B-2AC0-AC37B8541E0F}"/>
+                <a16:creationId xmlns:a16="http://schemas.microsoft.com/office/drawing/2014/main" id="{0C6B3DB1-EA38-F89B-6A8F-4951C1E4DB3F}"/>
               </a:ext>
             </a:extLst>
           </p:cNvPr>
@@ -2062,7 +2062,7 @@
           <a:bodyPr/>
           <a:lstStyle/>
           <a:p>
-            <a:fld id="{A13E07F1-0617-407F-823D-42EEB5D30B41}" type="datetimeFigureOut">
+            <a:fld id="{205BA442-7097-4495-B3E3-6386B0FC7870}" type="datetimeFigureOut">
               <a:rPr lang="zh-CN" altLang="en-US" smtClean="0"/>
               <a:t>2024/3/10</a:t>
             </a:fld>
@@ -2075,7 +2075,7 @@
           <p:cNvPr id="3" name="页脚占位符 2">
             <a:extLst>
               <a:ext uri="{FF2B5EF4-FFF2-40B4-BE49-F238E27FC236}">
-                <a16:creationId xmlns:a16="http://schemas.microsoft.com/office/drawing/2014/main" id="{56E58110-4D8B-8EF4-D5C1-58ABDE6D1136}"/>
+                <a16:creationId xmlns:a16="http://schemas.microsoft.com/office/drawing/2014/main" id="{226C0EB5-80F0-6728-CDFC-C488E28F2C4B}"/>
               </a:ext>
             </a:extLst>
           </p:cNvPr>
@@ -2100,7 +2100,7 @@
           <p:cNvPr id="4" name="灯片编号占位符 3">
             <a:extLst>
               <a:ext uri="{FF2B5EF4-FFF2-40B4-BE49-F238E27FC236}">
-                <a16:creationId xmlns:a16="http://schemas.microsoft.com/office/drawing/2014/main" id="{00376CC7-DDBD-89DF-BF6A-7C3D23585850}"/>
+                <a16:creationId xmlns:a16="http://schemas.microsoft.com/office/drawing/2014/main" id="{80C6480D-0F80-4CE3-571A-28CC2848CCDF}"/>
               </a:ext>
             </a:extLst>
           </p:cNvPr>
@@ -2116,7 +2116,7 @@
           <a:bodyPr/>
           <a:lstStyle/>
           <a:p>
-            <a:fld id="{39B18EE4-1F8C-4C80-AB89-EE30BD5D262A}" type="slidenum">
+            <a:fld id="{F93B5FBB-43C5-4AC4-B880-40DAE728ABFA}" type="slidenum">
               <a:rPr lang="zh-CN" altLang="en-US" smtClean="0"/>
               <a:t>‹#›</a:t>
             </a:fld>
@@ -2127,7 +2127,7 @@
     </p:spTree>
     <p:extLst>
       <p:ext uri="{BB962C8B-B14F-4D97-AF65-F5344CB8AC3E}">
-        <p14:creationId xmlns:p14="http://schemas.microsoft.com/office/powerpoint/2010/main" val="2379426483"/>
+        <p14:creationId xmlns:p14="http://schemas.microsoft.com/office/powerpoint/2010/main" val="1990520930"/>
       </p:ext>
     </p:extLst>
   </p:cSld>
@@ -2159,7 +2159,7 @@
           <p:cNvPr id="2" name="标题 1">
             <a:extLst>
               <a:ext uri="{FF2B5EF4-FFF2-40B4-BE49-F238E27FC236}">
-                <a16:creationId xmlns:a16="http://schemas.microsoft.com/office/drawing/2014/main" id="{1BA91EB9-C6AD-2181-7CA5-4DD0AEF65523}"/>
+                <a16:creationId xmlns:a16="http://schemas.microsoft.com/office/drawing/2014/main" id="{2DE49A53-282D-42FC-E6D9-A92FB104C9B6}"/>
               </a:ext>
             </a:extLst>
           </p:cNvPr>
@@ -2196,7 +2196,7 @@
           <p:cNvPr id="3" name="内容占位符 2">
             <a:extLst>
               <a:ext uri="{FF2B5EF4-FFF2-40B4-BE49-F238E27FC236}">
-                <a16:creationId xmlns:a16="http://schemas.microsoft.com/office/drawing/2014/main" id="{F445C7D2-694F-F418-2939-765E50C94ED4}"/>
+                <a16:creationId xmlns:a16="http://schemas.microsoft.com/office/drawing/2014/main" id="{1761A1BF-F9D5-5F93-4BDE-4BD5B6F18F31}"/>
               </a:ext>
             </a:extLst>
           </p:cNvPr>
@@ -2286,7 +2286,7 @@
           <p:cNvPr id="4" name="文本占位符 3">
             <a:extLst>
               <a:ext uri="{FF2B5EF4-FFF2-40B4-BE49-F238E27FC236}">
-                <a16:creationId xmlns:a16="http://schemas.microsoft.com/office/drawing/2014/main" id="{DAF8A7BA-8659-FE8E-473D-A55B5633A8F7}"/>
+                <a16:creationId xmlns:a16="http://schemas.microsoft.com/office/drawing/2014/main" id="{A0A0C2CB-9F3C-6CA1-1FAE-69C0A9451E93}"/>
               </a:ext>
             </a:extLst>
           </p:cNvPr>
@@ -2357,7 +2357,7 @@
           <p:cNvPr id="5" name="日期占位符 4">
             <a:extLst>
               <a:ext uri="{FF2B5EF4-FFF2-40B4-BE49-F238E27FC236}">
-                <a16:creationId xmlns:a16="http://schemas.microsoft.com/office/drawing/2014/main" id="{A141CCFA-9801-0990-BA08-DFD080BFB29F}"/>
+                <a16:creationId xmlns:a16="http://schemas.microsoft.com/office/drawing/2014/main" id="{4FB87899-0692-F1F5-F49E-6B868DE4B747}"/>
               </a:ext>
             </a:extLst>
           </p:cNvPr>
@@ -2373,7 +2373,7 @@
           <a:bodyPr/>
           <a:lstStyle/>
           <a:p>
-            <a:fld id="{A13E07F1-0617-407F-823D-42EEB5D30B41}" type="datetimeFigureOut">
+            <a:fld id="{205BA442-7097-4495-B3E3-6386B0FC7870}" type="datetimeFigureOut">
               <a:rPr lang="zh-CN" altLang="en-US" smtClean="0"/>
               <a:t>2024/3/10</a:t>
             </a:fld>
@@ -2386,7 +2386,7 @@
           <p:cNvPr id="6" name="页脚占位符 5">
             <a:extLst>
               <a:ext uri="{FF2B5EF4-FFF2-40B4-BE49-F238E27FC236}">
-                <a16:creationId xmlns:a16="http://schemas.microsoft.com/office/drawing/2014/main" id="{C78F6845-FE3A-5243-C6A1-5BAF527F82B9}"/>
+                <a16:creationId xmlns:a16="http://schemas.microsoft.com/office/drawing/2014/main" id="{2D66D718-9BEE-3037-2669-C917E2C58528}"/>
               </a:ext>
             </a:extLst>
           </p:cNvPr>
@@ -2411,7 +2411,7 @@
           <p:cNvPr id="7" name="灯片编号占位符 6">
             <a:extLst>
               <a:ext uri="{FF2B5EF4-FFF2-40B4-BE49-F238E27FC236}">
-                <a16:creationId xmlns:a16="http://schemas.microsoft.com/office/drawing/2014/main" id="{4277373E-EDD7-8440-91A0-C25FAEFA9E18}"/>
+                <a16:creationId xmlns:a16="http://schemas.microsoft.com/office/drawing/2014/main" id="{A021371A-2B32-B1D3-A6A1-71957D1E5C6B}"/>
               </a:ext>
             </a:extLst>
           </p:cNvPr>
@@ -2427,7 +2427,7 @@
           <a:bodyPr/>
           <a:lstStyle/>
           <a:p>
-            <a:fld id="{39B18EE4-1F8C-4C80-AB89-EE30BD5D262A}" type="slidenum">
+            <a:fld id="{F93B5FBB-43C5-4AC4-B880-40DAE728ABFA}" type="slidenum">
               <a:rPr lang="zh-CN" altLang="en-US" smtClean="0"/>
               <a:t>‹#›</a:t>
             </a:fld>
@@ -2438,7 +2438,7 @@
     </p:spTree>
     <p:extLst>
       <p:ext uri="{BB962C8B-B14F-4D97-AF65-F5344CB8AC3E}">
-        <p14:creationId xmlns:p14="http://schemas.microsoft.com/office/powerpoint/2010/main" val="6544965"/>
+        <p14:creationId xmlns:p14="http://schemas.microsoft.com/office/powerpoint/2010/main" val="2947675061"/>
       </p:ext>
     </p:extLst>
   </p:cSld>
@@ -2470,7 +2470,7 @@
           <p:cNvPr id="2" name="标题 1">
             <a:extLst>
               <a:ext uri="{FF2B5EF4-FFF2-40B4-BE49-F238E27FC236}">
-                <a16:creationId xmlns:a16="http://schemas.microsoft.com/office/drawing/2014/main" id="{0298A56A-02D7-B96F-E89E-F4A7A5FA329E}"/>
+                <a16:creationId xmlns:a16="http://schemas.microsoft.com/office/drawing/2014/main" id="{8FF4F4EE-BF11-3FCF-81FB-54D28EBD0172}"/>
               </a:ext>
             </a:extLst>
           </p:cNvPr>
@@ -2507,7 +2507,7 @@
           <p:cNvPr id="3" name="图片占位符 2">
             <a:extLst>
               <a:ext uri="{FF2B5EF4-FFF2-40B4-BE49-F238E27FC236}">
-                <a16:creationId xmlns:a16="http://schemas.microsoft.com/office/drawing/2014/main" id="{2C86F883-2CC7-7C3B-2297-CAA653950BBC}"/>
+                <a16:creationId xmlns:a16="http://schemas.microsoft.com/office/drawing/2014/main" id="{1E92CC5C-844B-1810-6581-737BFE1D19D4}"/>
               </a:ext>
             </a:extLst>
           </p:cNvPr>
@@ -2574,7 +2574,7 @@
           <p:cNvPr id="4" name="文本占位符 3">
             <a:extLst>
               <a:ext uri="{FF2B5EF4-FFF2-40B4-BE49-F238E27FC236}">
-                <a16:creationId xmlns:a16="http://schemas.microsoft.com/office/drawing/2014/main" id="{EE4EA8DB-5934-A716-A82E-5E74105FF411}"/>
+                <a16:creationId xmlns:a16="http://schemas.microsoft.com/office/drawing/2014/main" id="{F079D280-F3DA-AF55-CAF0-EB70B182D40E}"/>
               </a:ext>
             </a:extLst>
           </p:cNvPr>
@@ -2645,7 +2645,7 @@
           <p:cNvPr id="5" name="日期占位符 4">
             <a:extLst>
               <a:ext uri="{FF2B5EF4-FFF2-40B4-BE49-F238E27FC236}">
-                <a16:creationId xmlns:a16="http://schemas.microsoft.com/office/drawing/2014/main" id="{B37213EE-A47D-E079-3824-3C40C602EEE0}"/>
+                <a16:creationId xmlns:a16="http://schemas.microsoft.com/office/drawing/2014/main" id="{0F1AD773-1D05-F787-B8DF-06172868A34F}"/>
               </a:ext>
             </a:extLst>
           </p:cNvPr>
@@ -2661,7 +2661,7 @@
           <a:bodyPr/>
           <a:lstStyle/>
           <a:p>
-            <a:fld id="{A13E07F1-0617-407F-823D-42EEB5D30B41}" type="datetimeFigureOut">
+            <a:fld id="{205BA442-7097-4495-B3E3-6386B0FC7870}" type="datetimeFigureOut">
               <a:rPr lang="zh-CN" altLang="en-US" smtClean="0"/>
               <a:t>2024/3/10</a:t>
             </a:fld>
@@ -2674,7 +2674,7 @@
           <p:cNvPr id="6" name="页脚占位符 5">
             <a:extLst>
               <a:ext uri="{FF2B5EF4-FFF2-40B4-BE49-F238E27FC236}">
-                <a16:creationId xmlns:a16="http://schemas.microsoft.com/office/drawing/2014/main" id="{0DA65425-76BE-BDA4-9FDF-5447127B0B0C}"/>
+                <a16:creationId xmlns:a16="http://schemas.microsoft.com/office/drawing/2014/main" id="{0F5690A2-B75A-29A0-0263-BE3CDF580B33}"/>
               </a:ext>
             </a:extLst>
           </p:cNvPr>
@@ -2699,7 +2699,7 @@
           <p:cNvPr id="7" name="灯片编号占位符 6">
             <a:extLst>
               <a:ext uri="{FF2B5EF4-FFF2-40B4-BE49-F238E27FC236}">
-                <a16:creationId xmlns:a16="http://schemas.microsoft.com/office/drawing/2014/main" id="{F9964985-1D2A-A059-504E-90C343C3B03A}"/>
+                <a16:creationId xmlns:a16="http://schemas.microsoft.com/office/drawing/2014/main" id="{2BFD0609-664C-8A33-4473-418B196CB779}"/>
               </a:ext>
             </a:extLst>
           </p:cNvPr>
@@ -2715,7 +2715,7 @@
           <a:bodyPr/>
           <a:lstStyle/>
           <a:p>
-            <a:fld id="{39B18EE4-1F8C-4C80-AB89-EE30BD5D262A}" type="slidenum">
+            <a:fld id="{F93B5FBB-43C5-4AC4-B880-40DAE728ABFA}" type="slidenum">
               <a:rPr lang="zh-CN" altLang="en-US" smtClean="0"/>
               <a:t>‹#›</a:t>
             </a:fld>
@@ -2726,7 +2726,7 @@
     </p:spTree>
     <p:extLst>
       <p:ext uri="{BB962C8B-B14F-4D97-AF65-F5344CB8AC3E}">
-        <p14:creationId xmlns:p14="http://schemas.microsoft.com/office/powerpoint/2010/main" val="3607663795"/>
+        <p14:creationId xmlns:p14="http://schemas.microsoft.com/office/powerpoint/2010/main" val="878693115"/>
       </p:ext>
     </p:extLst>
   </p:cSld>
@@ -2763,7 +2763,7 @@
           <p:cNvPr id="2" name="标题占位符 1">
             <a:extLst>
               <a:ext uri="{FF2B5EF4-FFF2-40B4-BE49-F238E27FC236}">
-                <a16:creationId xmlns:a16="http://schemas.microsoft.com/office/drawing/2014/main" id="{886A2F8D-5EED-6EB5-33C5-1CC467A783D7}"/>
+                <a16:creationId xmlns:a16="http://schemas.microsoft.com/office/drawing/2014/main" id="{DA7E3D2F-FA10-0C46-C8AC-95BE0DD25516}"/>
               </a:ext>
             </a:extLst>
           </p:cNvPr>
@@ -2801,7 +2801,7 @@
           <p:cNvPr id="3" name="文本占位符 2">
             <a:extLst>
               <a:ext uri="{FF2B5EF4-FFF2-40B4-BE49-F238E27FC236}">
-                <a16:creationId xmlns:a16="http://schemas.microsoft.com/office/drawing/2014/main" id="{34C6F8DB-E52D-7C06-64FA-0F7EFCF7C1A0}"/>
+                <a16:creationId xmlns:a16="http://schemas.microsoft.com/office/drawing/2014/main" id="{74C849EE-EABF-D96E-62E2-8A771F5D2F91}"/>
               </a:ext>
             </a:extLst>
           </p:cNvPr>
@@ -2868,7 +2868,7 @@
           <p:cNvPr id="4" name="日期占位符 3">
             <a:extLst>
               <a:ext uri="{FF2B5EF4-FFF2-40B4-BE49-F238E27FC236}">
-                <a16:creationId xmlns:a16="http://schemas.microsoft.com/office/drawing/2014/main" id="{200756F8-2079-107A-796F-B77D6BC8D609}"/>
+                <a16:creationId xmlns:a16="http://schemas.microsoft.com/office/drawing/2014/main" id="{FF031A1E-C320-276A-6B65-8A8015D22B2A}"/>
               </a:ext>
             </a:extLst>
           </p:cNvPr>
@@ -2902,7 +2902,7 @@
             </a:lvl1pPr>
           </a:lstStyle>
           <a:p>
-            <a:fld id="{A13E07F1-0617-407F-823D-42EEB5D30B41}" type="datetimeFigureOut">
+            <a:fld id="{205BA442-7097-4495-B3E3-6386B0FC7870}" type="datetimeFigureOut">
               <a:rPr lang="zh-CN" altLang="en-US" smtClean="0"/>
               <a:t>2024/3/10</a:t>
             </a:fld>
@@ -2915,7 +2915,7 @@
           <p:cNvPr id="5" name="页脚占位符 4">
             <a:extLst>
               <a:ext uri="{FF2B5EF4-FFF2-40B4-BE49-F238E27FC236}">
-                <a16:creationId xmlns:a16="http://schemas.microsoft.com/office/drawing/2014/main" id="{1A6A70A8-EC81-2D7D-7C94-34F0EFF565EA}"/>
+                <a16:creationId xmlns:a16="http://schemas.microsoft.com/office/drawing/2014/main" id="{759B07EA-C679-C78D-A0C0-1552C6CB3D87}"/>
               </a:ext>
             </a:extLst>
           </p:cNvPr>
@@ -2958,7 +2958,7 @@
           <p:cNvPr id="6" name="灯片编号占位符 5">
             <a:extLst>
               <a:ext uri="{FF2B5EF4-FFF2-40B4-BE49-F238E27FC236}">
-                <a16:creationId xmlns:a16="http://schemas.microsoft.com/office/drawing/2014/main" id="{B49612FF-F09E-893F-D5BF-B127287BFF06}"/>
+                <a16:creationId xmlns:a16="http://schemas.microsoft.com/office/drawing/2014/main" id="{A6BF6B26-7252-9059-181A-D614BF55435A}"/>
               </a:ext>
             </a:extLst>
           </p:cNvPr>
@@ -2992,7 +2992,7 @@
             </a:lvl1pPr>
           </a:lstStyle>
           <a:p>
-            <a:fld id="{39B18EE4-1F8C-4C80-AB89-EE30BD5D262A}" type="slidenum">
+            <a:fld id="{F93B5FBB-43C5-4AC4-B880-40DAE728ABFA}" type="slidenum">
               <a:rPr lang="zh-CN" altLang="en-US" smtClean="0"/>
               <a:t>‹#›</a:t>
             </a:fld>
@@ -3003,7 +3003,7 @@
     </p:spTree>
     <p:extLst>
       <p:ext uri="{BB962C8B-B14F-4D97-AF65-F5344CB8AC3E}">
-        <p14:creationId xmlns:p14="http://schemas.microsoft.com/office/powerpoint/2010/main" val="686022269"/>
+        <p14:creationId xmlns:p14="http://schemas.microsoft.com/office/powerpoint/2010/main" val="844673330"/>
       </p:ext>
     </p:extLst>
   </p:cSld>
